--- a/src/assets/prezentace/QuantumWeb_s.pptx
+++ b/src/assets/prezentace/QuantumWeb_s.pptx
@@ -5,18 +5,17 @@
     <p:sldMasterId id="2147483648" r:id="rId1"/>
   </p:sldMasterIdLst>
   <p:notesMasterIdLst>
-    <p:notesMasterId r:id="rId11"/>
+    <p:notesMasterId r:id="rId10"/>
   </p:notesMasterIdLst>
   <p:sldIdLst>
     <p:sldId id="256" r:id="rId2"/>
-    <p:sldId id="263" r:id="rId3"/>
-    <p:sldId id="257" r:id="rId4"/>
-    <p:sldId id="258" r:id="rId5"/>
-    <p:sldId id="264" r:id="rId6"/>
-    <p:sldId id="259" r:id="rId7"/>
-    <p:sldId id="260" r:id="rId8"/>
-    <p:sldId id="261" r:id="rId9"/>
-    <p:sldId id="262" r:id="rId10"/>
+    <p:sldId id="257" r:id="rId3"/>
+    <p:sldId id="258" r:id="rId4"/>
+    <p:sldId id="264" r:id="rId5"/>
+    <p:sldId id="259" r:id="rId6"/>
+    <p:sldId id="260" r:id="rId7"/>
+    <p:sldId id="261" r:id="rId8"/>
+    <p:sldId id="262" r:id="rId9"/>
   </p:sldIdLst>
   <p:sldSz cx="12192000" cy="6858000"/>
   <p:notesSz cx="6858000" cy="9144000"/>
@@ -115,6 +114,11 @@
       </a:defRPr>
     </a:lvl9pPr>
   </p:defaultTextStyle>
+  <p:extLst>
+    <p:ext uri="{EFAFB233-063F-42B5-8137-9DF3F51BA10A}">
+      <p15:sldGuideLst xmlns:p15="http://schemas.microsoft.com/office/powerpoint/2012/main"/>
+    </p:ext>
+  </p:extLst>
 </p:presentation>
 </file>
 
@@ -200,7 +204,7 @@
           <a:p>
             <a:fld id="{AD0F2958-D8B4-4EDA-B1C9-5B6BF926A0D8}" type="datetimeFigureOut">
               <a:rPr lang="cs-CZ" smtClean="0"/>
-              <a:t>10. 6. 2024</a:t>
+              <a:t>11.06.2024</a:t>
             </a:fld>
             <a:endParaRPr lang="cs-CZ"/>
           </a:p>
@@ -532,7 +536,7 @@
           <a:p>
             <a:fld id="{1B7905A0-63A2-4FF1-BDD2-4304E6C454DC}" type="slidenum">
               <a:rPr lang="cs-CZ" smtClean="0"/>
-              <a:t>9</a:t>
+              <a:t>8</a:t>
             </a:fld>
             <a:endParaRPr lang="cs-CZ"/>
           </a:p>
@@ -781,7 +785,7 @@
             <a:fld id="{B61BEF0D-F0BB-DE4B-95CE-6DB70DBA9567}" type="datetimeFigureOut">
               <a:rPr lang="en-US" dirty="0"/>
               <a:pPr/>
-              <a:t>6/10/2024</a:t>
+              <a:t>6/11/2024</a:t>
             </a:fld>
             <a:endParaRPr lang="en-US" dirty="0"/>
           </a:p>
@@ -1112,7 +1116,7 @@
             <a:fld id="{B61BEF0D-F0BB-DE4B-95CE-6DB70DBA9567}" type="datetimeFigureOut">
               <a:rPr lang="en-US" dirty="0"/>
               <a:pPr/>
-              <a:t>6/10/2024</a:t>
+              <a:t>6/11/2024</a:t>
             </a:fld>
             <a:endParaRPr lang="en-US" dirty="0"/>
           </a:p>
@@ -1387,7 +1391,7 @@
             <a:fld id="{B61BEF0D-F0BB-DE4B-95CE-6DB70DBA9567}" type="datetimeFigureOut">
               <a:rPr lang="en-US" dirty="0"/>
               <a:pPr/>
-              <a:t>6/10/2024</a:t>
+              <a:t>6/11/2024</a:t>
             </a:fld>
             <a:endParaRPr lang="en-US" dirty="0"/>
           </a:p>
@@ -1952,7 +1956,7 @@
             <a:fld id="{B61BEF0D-F0BB-DE4B-95CE-6DB70DBA9567}" type="datetimeFigureOut">
               <a:rPr lang="en-US" dirty="0"/>
               <a:pPr/>
-              <a:t>6/10/2024</a:t>
+              <a:t>6/11/2024</a:t>
             </a:fld>
             <a:endParaRPr lang="en-US" dirty="0"/>
           </a:p>
@@ -2227,7 +2231,7 @@
             <a:fld id="{B61BEF0D-F0BB-DE4B-95CE-6DB70DBA9567}" type="datetimeFigureOut">
               <a:rPr lang="en-US" dirty="0"/>
               <a:pPr/>
-              <a:t>6/10/2024</a:t>
+              <a:t>6/11/2024</a:t>
             </a:fld>
             <a:endParaRPr lang="en-US" dirty="0"/>
           </a:p>
@@ -2786,7 +2790,7 @@
             <a:fld id="{B61BEF0D-F0BB-DE4B-95CE-6DB70DBA9567}" type="datetimeFigureOut">
               <a:rPr lang="en-US" dirty="0"/>
               <a:pPr/>
-              <a:t>6/10/2024</a:t>
+              <a:t>6/11/2024</a:t>
             </a:fld>
             <a:endParaRPr lang="en-US" dirty="0"/>
           </a:p>
@@ -3110,7 +3114,7 @@
             <a:fld id="{B61BEF0D-F0BB-DE4B-95CE-6DB70DBA9567}" type="datetimeFigureOut">
               <a:rPr lang="en-US" dirty="0"/>
               <a:pPr/>
-              <a:t>6/10/2024</a:t>
+              <a:t>6/11/2024</a:t>
             </a:fld>
             <a:endParaRPr lang="en-US" dirty="0"/>
           </a:p>
@@ -3284,7 +3288,7 @@
             <a:fld id="{B61BEF0D-F0BB-DE4B-95CE-6DB70DBA9567}" type="datetimeFigureOut">
               <a:rPr lang="en-US" dirty="0"/>
               <a:pPr/>
-              <a:t>6/10/2024</a:t>
+              <a:t>6/11/2024</a:t>
             </a:fld>
             <a:endParaRPr lang="en-US" dirty="0"/>
           </a:p>
@@ -3519,7 +3523,7 @@
             <a:fld id="{B61BEF0D-F0BB-DE4B-95CE-6DB70DBA9567}" type="datetimeFigureOut">
               <a:rPr lang="en-US" dirty="0"/>
               <a:pPr/>
-              <a:t>6/10/2024</a:t>
+              <a:t>6/11/2024</a:t>
             </a:fld>
             <a:endParaRPr lang="en-US" dirty="0"/>
           </a:p>
@@ -3716,7 +3720,7 @@
             <a:fld id="{B61BEF0D-F0BB-DE4B-95CE-6DB70DBA9567}" type="datetimeFigureOut">
               <a:rPr lang="en-US" dirty="0"/>
               <a:pPr/>
-              <a:t>6/10/2024</a:t>
+              <a:t>6/11/2024</a:t>
             </a:fld>
             <a:endParaRPr lang="en-US" dirty="0"/>
           </a:p>
@@ -3989,7 +3993,7 @@
             <a:fld id="{B61BEF0D-F0BB-DE4B-95CE-6DB70DBA9567}" type="datetimeFigureOut">
               <a:rPr lang="en-US" dirty="0"/>
               <a:pPr/>
-              <a:t>6/10/2024</a:t>
+              <a:t>6/11/2024</a:t>
             </a:fld>
             <a:endParaRPr lang="en-US" dirty="0"/>
           </a:p>
@@ -4252,7 +4256,7 @@
             <a:fld id="{B61BEF0D-F0BB-DE4B-95CE-6DB70DBA9567}" type="datetimeFigureOut">
               <a:rPr lang="en-US" dirty="0"/>
               <a:pPr/>
-              <a:t>6/10/2024</a:t>
+              <a:t>6/11/2024</a:t>
             </a:fld>
             <a:endParaRPr lang="en-US" dirty="0"/>
           </a:p>
@@ -4623,7 +4627,7 @@
             <a:fld id="{B61BEF0D-F0BB-DE4B-95CE-6DB70DBA9567}" type="datetimeFigureOut">
               <a:rPr lang="en-US" dirty="0"/>
               <a:pPr/>
-              <a:t>6/10/2024</a:t>
+              <a:t>6/11/2024</a:t>
             </a:fld>
             <a:endParaRPr lang="en-US" dirty="0"/>
           </a:p>
@@ -4768,7 +4772,7 @@
             <a:fld id="{B61BEF0D-F0BB-DE4B-95CE-6DB70DBA9567}" type="datetimeFigureOut">
               <a:rPr lang="en-US" dirty="0"/>
               <a:pPr/>
-              <a:t>6/10/2024</a:t>
+              <a:t>6/11/2024</a:t>
             </a:fld>
             <a:endParaRPr lang="en-US" dirty="0"/>
           </a:p>
@@ -4890,7 +4894,7 @@
             <a:fld id="{B61BEF0D-F0BB-DE4B-95CE-6DB70DBA9567}" type="datetimeFigureOut">
               <a:rPr lang="en-US" dirty="0"/>
               <a:pPr/>
-              <a:t>6/10/2024</a:t>
+              <a:t>6/11/2024</a:t>
             </a:fld>
             <a:endParaRPr lang="en-US" dirty="0"/>
           </a:p>
@@ -5172,7 +5176,7 @@
             <a:fld id="{B61BEF0D-F0BB-DE4B-95CE-6DB70DBA9567}" type="datetimeFigureOut">
               <a:rPr lang="en-US" dirty="0"/>
               <a:pPr/>
-              <a:t>6/10/2024</a:t>
+              <a:t>6/11/2024</a:t>
             </a:fld>
             <a:endParaRPr lang="en-US" dirty="0"/>
           </a:p>
@@ -5493,7 +5497,7 @@
             <a:fld id="{B61BEF0D-F0BB-DE4B-95CE-6DB70DBA9567}" type="datetimeFigureOut">
               <a:rPr lang="en-US" dirty="0"/>
               <a:pPr/>
-              <a:t>6/10/2024</a:t>
+              <a:t>6/11/2024</a:t>
             </a:fld>
             <a:endParaRPr lang="en-US" dirty="0"/>
           </a:p>
@@ -5704,7 +5708,7 @@
             <a:fld id="{B61BEF0D-F0BB-DE4B-95CE-6DB70DBA9567}" type="datetimeFigureOut">
               <a:rPr lang="en-US" dirty="0"/>
               <a:pPr/>
-              <a:t>6/10/2024</a:t>
+              <a:t>6/11/2024</a:t>
             </a:fld>
             <a:endParaRPr lang="en-US" dirty="0"/>
           </a:p>
@@ -10982,92 +10986,6 @@
           <p:cNvPr id="2" name="Nadpis 1">
             <a:extLst>
               <a:ext uri="{FF2B5EF4-FFF2-40B4-BE49-F238E27FC236}">
-                <a16:creationId xmlns:a16="http://schemas.microsoft.com/office/drawing/2014/main" id="{D24C77A1-1DE6-AC62-2BBB-0D027057E168}"/>
-              </a:ext>
-            </a:extLst>
-          </p:cNvPr>
-          <p:cNvSpPr>
-            <a:spLocks noGrp="1"/>
-          </p:cNvSpPr>
-          <p:nvPr>
-            <p:ph type="title"/>
-          </p:nvPr>
-        </p:nvSpPr>
-        <p:spPr/>
-        <p:txBody>
-          <a:bodyPr/>
-          <a:lstStyle/>
-          <a:p>
-            <a:r>
-              <a:rPr lang="cs-CZ" dirty="0"/>
-              <a:t>Kdo jsme</a:t>
-            </a:r>
-          </a:p>
-        </p:txBody>
-      </p:sp>
-      <p:sp>
-        <p:nvSpPr>
-          <p:cNvPr id="3" name="Zástupný obsah 2">
-            <a:extLst>
-              <a:ext uri="{FF2B5EF4-FFF2-40B4-BE49-F238E27FC236}">
-                <a16:creationId xmlns:a16="http://schemas.microsoft.com/office/drawing/2014/main" id="{10F6F300-8939-D664-C651-8D1234822DD8}"/>
-              </a:ext>
-            </a:extLst>
-          </p:cNvPr>
-          <p:cNvSpPr>
-            <a:spLocks noGrp="1"/>
-          </p:cNvSpPr>
-          <p:nvPr>
-            <p:ph idx="1"/>
-          </p:nvPr>
-        </p:nvSpPr>
-        <p:spPr/>
-        <p:txBody>
-          <a:bodyPr/>
-          <a:lstStyle/>
-          <a:p>
-            <a:r>
-              <a:rPr lang="cs-CZ" dirty="0"/>
-              <a:t>Na co se zaměřujeme</a:t>
-            </a:r>
-          </a:p>
-        </p:txBody>
-      </p:sp>
-    </p:spTree>
-    <p:extLst>
-      <p:ext uri="{BB962C8B-B14F-4D97-AF65-F5344CB8AC3E}">
-        <p14:creationId xmlns:p14="http://schemas.microsoft.com/office/powerpoint/2010/main" val="3910895199"/>
-      </p:ext>
-    </p:extLst>
-  </p:cSld>
-  <p:clrMapOvr>
-    <a:masterClrMapping/>
-  </p:clrMapOvr>
-</p:sld>
-</file>
-
-<file path=ppt/slides/slide3.xml><?xml version="1.0" encoding="utf-8"?>
-<p:sld xmlns:a="http://schemas.openxmlformats.org/drawingml/2006/main" xmlns:r="http://schemas.openxmlformats.org/officeDocument/2006/relationships" xmlns:p="http://schemas.openxmlformats.org/presentationml/2006/main">
-  <p:cSld>
-    <p:spTree>
-      <p:nvGrpSpPr>
-        <p:cNvPr id="1" name=""/>
-        <p:cNvGrpSpPr/>
-        <p:nvPr/>
-      </p:nvGrpSpPr>
-      <p:grpSpPr>
-        <a:xfrm>
-          <a:off x="0" y="0"/>
-          <a:ext cx="0" cy="0"/>
-          <a:chOff x="0" y="0"/>
-          <a:chExt cx="0" cy="0"/>
-        </a:xfrm>
-      </p:grpSpPr>
-      <p:sp>
-        <p:nvSpPr>
-          <p:cNvPr id="2" name="Nadpis 1">
-            <a:extLst>
-              <a:ext uri="{FF2B5EF4-FFF2-40B4-BE49-F238E27FC236}">
                 <a16:creationId xmlns:a16="http://schemas.microsoft.com/office/drawing/2014/main" id="{FD6A7094-9A3E-1388-8D04-6934B113F60E}"/>
               </a:ext>
             </a:extLst>
@@ -11454,7 +11372,7 @@
 </p:sld>
 </file>
 
-<file path=ppt/slides/slide4.xml><?xml version="1.0" encoding="utf-8"?>
+<file path=ppt/slides/slide3.xml><?xml version="1.0" encoding="utf-8"?>
 <p:sld xmlns:a="http://schemas.openxmlformats.org/drawingml/2006/main" xmlns:r="http://schemas.openxmlformats.org/officeDocument/2006/relationships" xmlns:p="http://schemas.openxmlformats.org/presentationml/2006/main">
   <p:cSld>
     <p:spTree>
@@ -11564,7 +11482,7 @@
 </p:sld>
 </file>
 
-<file path=ppt/slides/slide5.xml><?xml version="1.0" encoding="utf-8"?>
+<file path=ppt/slides/slide4.xml><?xml version="1.0" encoding="utf-8"?>
 <p:sld xmlns:a="http://schemas.openxmlformats.org/drawingml/2006/main" xmlns:r="http://schemas.openxmlformats.org/officeDocument/2006/relationships" xmlns:p="http://schemas.openxmlformats.org/presentationml/2006/main">
   <p:cSld>
     <p:spTree>
@@ -11677,7 +11595,7 @@
 </p:sld>
 </file>
 
-<file path=ppt/slides/slide6.xml><?xml version="1.0" encoding="utf-8"?>
+<file path=ppt/slides/slide5.xml><?xml version="1.0" encoding="utf-8"?>
 <p:sld xmlns:a="http://schemas.openxmlformats.org/drawingml/2006/main" xmlns:r="http://schemas.openxmlformats.org/officeDocument/2006/relationships" xmlns:p="http://schemas.openxmlformats.org/presentationml/2006/main">
   <p:cSld>
     <p:spTree>
@@ -11787,7 +11705,7 @@
 </p:sld>
 </file>
 
-<file path=ppt/slides/slide7.xml><?xml version="1.0" encoding="utf-8"?>
+<file path=ppt/slides/slide6.xml><?xml version="1.0" encoding="utf-8"?>
 <p:sld xmlns:a="http://schemas.openxmlformats.org/drawingml/2006/main" xmlns:r="http://schemas.openxmlformats.org/officeDocument/2006/relationships" xmlns:p="http://schemas.openxmlformats.org/presentationml/2006/main">
   <p:cSld>
     <p:bg>
@@ -11855,7 +11773,7 @@
 </p:sld>
 </file>
 
-<file path=ppt/slides/slide8.xml><?xml version="1.0" encoding="utf-8"?>
+<file path=ppt/slides/slide7.xml><?xml version="1.0" encoding="utf-8"?>
 <p:sld xmlns:a="http://schemas.openxmlformats.org/drawingml/2006/main" xmlns:r="http://schemas.openxmlformats.org/officeDocument/2006/relationships" xmlns:p="http://schemas.openxmlformats.org/presentationml/2006/main">
   <p:cSld>
     <p:bg>
@@ -12168,7 +12086,7 @@
 </p:sld>
 </file>
 
-<file path=ppt/slides/slide9.xml><?xml version="1.0" encoding="utf-8"?>
+<file path=ppt/slides/slide8.xml><?xml version="1.0" encoding="utf-8"?>
 <p:sld xmlns:a="http://schemas.openxmlformats.org/drawingml/2006/main" xmlns:r="http://schemas.openxmlformats.org/officeDocument/2006/relationships" xmlns:p="http://schemas.openxmlformats.org/presentationml/2006/main">
   <p:cSld>
     <p:bg>
